--- a/台語、IPA、多語.pptx
+++ b/台語、IPA、多語.pptx
@@ -5,7 +5,7 @@
     <p:sldMasterId id="2147483648" r:id="rId1"/>
   </p:sldMasterIdLst>
   <p:notesMasterIdLst>
-    <p:notesMasterId r:id="rId20"/>
+    <p:notesMasterId r:id="rId21"/>
   </p:notesMasterIdLst>
   <p:sldIdLst>
     <p:sldId id="256" r:id="rId2"/>
@@ -22,10 +22,11 @@
     <p:sldId id="261" r:id="rId13"/>
     <p:sldId id="274" r:id="rId14"/>
     <p:sldId id="263" r:id="rId15"/>
-    <p:sldId id="265" r:id="rId16"/>
-    <p:sldId id="266" r:id="rId17"/>
-    <p:sldId id="268" r:id="rId18"/>
-    <p:sldId id="273" r:id="rId19"/>
+    <p:sldId id="266" r:id="rId16"/>
+    <p:sldId id="268" r:id="rId17"/>
+    <p:sldId id="273" r:id="rId18"/>
+    <p:sldId id="265" r:id="rId19"/>
+    <p:sldId id="275" r:id="rId20"/>
   </p:sldIdLst>
   <p:sldSz cx="12192000" cy="6858000"/>
   <p:notesSz cx="6858000" cy="9144000"/>
@@ -225,7 +226,7 @@
           <a:p>
             <a:fld id="{44557A01-6DD0-4080-93A7-08C611035F46}" type="datetimeFigureOut">
               <a:rPr lang="zh-TW" altLang="en-US" smtClean="0"/>
-              <a:t>2023/8/1</a:t>
+              <a:t>2023/8/2</a:t>
             </a:fld>
             <a:endParaRPr lang="zh-TW" altLang="en-US"/>
           </a:p>
@@ -639,7 +640,7 @@
           <a:p>
             <a:fld id="{D9EE2175-2544-4C2A-B748-E3612CE239C0}" type="datetime1">
               <a:rPr lang="zh-TW" altLang="en-US" smtClean="0"/>
-              <a:t>2023/8/1</a:t>
+              <a:t>2023/8/2</a:t>
             </a:fld>
             <a:endParaRPr lang="zh-TW" altLang="en-US"/>
           </a:p>
@@ -837,7 +838,7 @@
           <a:p>
             <a:fld id="{191B2215-51F6-4AC5-8EC4-3EF34164BA2F}" type="datetime1">
               <a:rPr lang="zh-TW" altLang="en-US" smtClean="0"/>
-              <a:t>2023/8/1</a:t>
+              <a:t>2023/8/2</a:t>
             </a:fld>
             <a:endParaRPr lang="zh-TW" altLang="en-US"/>
           </a:p>
@@ -1045,7 +1046,7 @@
           <a:p>
             <a:fld id="{82315D27-4B4E-46D3-A5FB-7F6CAD63BD57}" type="datetime1">
               <a:rPr lang="zh-TW" altLang="en-US" smtClean="0"/>
-              <a:t>2023/8/1</a:t>
+              <a:t>2023/8/2</a:t>
             </a:fld>
             <a:endParaRPr lang="zh-TW" altLang="en-US"/>
           </a:p>
@@ -1243,7 +1244,7 @@
           <a:p>
             <a:fld id="{98EA23EE-094D-45C1-A37D-8E4293080A93}" type="datetime1">
               <a:rPr lang="zh-TW" altLang="en-US" smtClean="0"/>
-              <a:t>2023/8/1</a:t>
+              <a:t>2023/8/2</a:t>
             </a:fld>
             <a:endParaRPr lang="zh-TW" altLang="en-US"/>
           </a:p>
@@ -1518,7 +1519,7 @@
           <a:p>
             <a:fld id="{51E1CC40-E116-4DCB-B09F-4C694B4F9D29}" type="datetime1">
               <a:rPr lang="zh-TW" altLang="en-US" smtClean="0"/>
-              <a:t>2023/8/1</a:t>
+              <a:t>2023/8/2</a:t>
             </a:fld>
             <a:endParaRPr lang="zh-TW" altLang="en-US"/>
           </a:p>
@@ -1783,7 +1784,7 @@
           <a:p>
             <a:fld id="{BE86510F-BDDE-41A1-B159-BB6F78A8C72D}" type="datetime1">
               <a:rPr lang="zh-TW" altLang="en-US" smtClean="0"/>
-              <a:t>2023/8/1</a:t>
+              <a:t>2023/8/2</a:t>
             </a:fld>
             <a:endParaRPr lang="zh-TW" altLang="en-US"/>
           </a:p>
@@ -2195,7 +2196,7 @@
           <a:p>
             <a:fld id="{A1BC5E2A-9F87-46C3-9583-6A71D454089C}" type="datetime1">
               <a:rPr lang="zh-TW" altLang="en-US" smtClean="0"/>
-              <a:t>2023/8/1</a:t>
+              <a:t>2023/8/2</a:t>
             </a:fld>
             <a:endParaRPr lang="zh-TW" altLang="en-US"/>
           </a:p>
@@ -2336,7 +2337,7 @@
           <a:p>
             <a:fld id="{C66F9591-E634-4DD0-8C5A-538ED63B1C4B}" type="datetime1">
               <a:rPr lang="zh-TW" altLang="en-US" smtClean="0"/>
-              <a:t>2023/8/1</a:t>
+              <a:t>2023/8/2</a:t>
             </a:fld>
             <a:endParaRPr lang="zh-TW" altLang="en-US"/>
           </a:p>
@@ -2449,7 +2450,7 @@
           <a:p>
             <a:fld id="{FD80A1A9-7933-43F5-A8F4-D05063072560}" type="datetime1">
               <a:rPr lang="zh-TW" altLang="en-US" smtClean="0"/>
-              <a:t>2023/8/1</a:t>
+              <a:t>2023/8/2</a:t>
             </a:fld>
             <a:endParaRPr lang="zh-TW" altLang="en-US"/>
           </a:p>
@@ -2760,7 +2761,7 @@
           <a:p>
             <a:fld id="{E74B12BE-A6AA-44EF-97AE-283ADE209AF8}" type="datetime1">
               <a:rPr lang="zh-TW" altLang="en-US" smtClean="0"/>
-              <a:t>2023/8/1</a:t>
+              <a:t>2023/8/2</a:t>
             </a:fld>
             <a:endParaRPr lang="zh-TW" altLang="en-US"/>
           </a:p>
@@ -3048,7 +3049,7 @@
           <a:p>
             <a:fld id="{FD65A889-DEED-4C69-91FC-1A9FF828113C}" type="datetime1">
               <a:rPr lang="zh-TW" altLang="en-US" smtClean="0"/>
-              <a:t>2023/8/1</a:t>
+              <a:t>2023/8/2</a:t>
             </a:fld>
             <a:endParaRPr lang="zh-TW" altLang="en-US"/>
           </a:p>
@@ -3289,7 +3290,7 @@
           <a:p>
             <a:fld id="{8934F550-157A-40F4-B144-DB53C2821D8F}" type="datetime1">
               <a:rPr lang="zh-TW" altLang="en-US" smtClean="0"/>
-              <a:t>2023/8/1</a:t>
+              <a:t>2023/8/2</a:t>
             </a:fld>
             <a:endParaRPr lang="zh-TW" altLang="en-US"/>
           </a:p>
@@ -3725,8 +3726,8 @@
         </p:nvSpPr>
         <p:spPr>
           <a:xfrm>
-            <a:off x="1524000" y="1136822"/>
-            <a:ext cx="9144000" cy="2735885"/>
+            <a:off x="619433" y="1136822"/>
+            <a:ext cx="11061290" cy="2735885"/>
           </a:xfrm>
         </p:spPr>
         <p:txBody>
@@ -3766,19 +3767,23 @@
               <a:rPr lang="en-US" altLang="zh-TW" dirty="0"/>
             </a:br>
             <a:r>
-              <a:rPr lang="zh-TW" altLang="en-US" dirty="0"/>
-              <a:t>英語、日語、印度語</a:t>
-            </a:r>
-            <a:r>
-              <a:rPr lang="en-US" altLang="zh-TW" dirty="0"/>
+              <a:rPr lang="en-US" altLang="zh-TW" sz="3200" dirty="0"/>
+              <a:t>~</a:t>
+            </a:r>
+            <a:r>
+              <a:rPr lang="zh-TW" altLang="en-US" sz="3200" dirty="0"/>
+              <a:t> 英語、日語、印度語</a:t>
+            </a:r>
+            <a:r>
+              <a:rPr lang="en-US" altLang="zh-TW" sz="3200" dirty="0"/>
               <a:t>(</a:t>
             </a:r>
             <a:r>
-              <a:rPr lang="zh-TW" altLang="en-US" dirty="0"/>
+              <a:rPr lang="zh-TW" altLang="en-US" sz="3200" dirty="0"/>
               <a:t>梵語</a:t>
             </a:r>
             <a:r>
-              <a:rPr lang="en-US" altLang="zh-TW" dirty="0"/>
+              <a:rPr lang="en-US" altLang="zh-TW" sz="3200" dirty="0"/>
               <a:t>)</a:t>
             </a:r>
             <a:r>
@@ -4074,7 +4079,7 @@
         </p:blipFill>
         <p:spPr>
           <a:xfrm>
-            <a:off x="3958158" y="136525"/>
+            <a:off x="3119958" y="365125"/>
             <a:ext cx="8233842" cy="3619193"/>
           </a:xfrm>
           <a:prstGeom prst="rect">
@@ -4104,7 +4109,7 @@
         </p:blipFill>
         <p:spPr>
           <a:xfrm>
-            <a:off x="5920544" y="4112736"/>
+            <a:off x="4397011" y="4303406"/>
             <a:ext cx="3397977" cy="2554594"/>
           </a:xfrm>
           <a:prstGeom prst="rect">
@@ -4320,14 +4325,14 @@
           <p:nvPr>
             <p:extLst>
               <p:ext uri="{D42A27DB-BD31-4B8C-83A1-F6EECF244321}">
-                <p14:modId xmlns:p14="http://schemas.microsoft.com/office/powerpoint/2010/main" val="1944878855"/>
+                <p14:modId xmlns:p14="http://schemas.microsoft.com/office/powerpoint/2010/main" val="1072248261"/>
               </p:ext>
             </p:extLst>
           </p:nvPr>
         </p:nvGraphicFramePr>
         <p:xfrm>
-          <a:off x="4932105" y="658634"/>
-          <a:ext cx="5460590" cy="5697720"/>
+          <a:off x="5764778" y="365125"/>
+          <a:ext cx="5460590" cy="5725730"/>
         </p:xfrm>
         <a:graphic>
           <a:graphicData uri="http://schemas.openxmlformats.org/drawingml/2006/table">
@@ -5157,7 +5162,7 @@
                   </a:ext>
                 </a:extLst>
               </a:tr>
-              <a:tr h="316540">
+              <a:tr h="344550">
                 <a:tc>
                   <a:txBody>
                     <a:bodyPr/>
@@ -5195,18 +5200,18 @@
                     <a:p>
                       <a:pPr algn="l" fontAlgn="ctr"/>
                       <a:r>
-                        <a:rPr lang="ja-JP" altLang="en-US" sz="1400" u="none" strike="noStrike">
+                        <a:rPr lang="ja-JP" altLang="en-US" sz="1400" u="none" strike="noStrike" dirty="0">
                           <a:effectLst/>
                         </a:rPr>
                         <a:t>ち </a:t>
                       </a:r>
                       <a:r>
-                        <a:rPr lang="en-US" sz="1400" u="none" strike="noStrike">
+                        <a:rPr lang="en-US" sz="1400" u="none" strike="noStrike" dirty="0">
                           <a:effectLst/>
                         </a:rPr>
                         <a:t>chi</a:t>
                       </a:r>
-                      <a:endParaRPr lang="en-US" sz="1400" b="0" i="0" u="none" strike="noStrike">
+                      <a:endParaRPr lang="en-US" sz="1400" b="0" i="0" u="none" strike="noStrike" dirty="0">
                         <a:solidFill>
                           <a:srgbClr val="FFFFFF"/>
                         </a:solidFill>
@@ -8257,231 +8262,6 @@
           <p:cNvPr id="2" name="標題 1">
             <a:extLst>
               <a:ext uri="{FF2B5EF4-FFF2-40B4-BE49-F238E27FC236}">
-                <a16:creationId xmlns:a16="http://schemas.microsoft.com/office/drawing/2014/main" id="{4B79F121-4084-B946-4586-3791F356190A}"/>
-              </a:ext>
-            </a:extLst>
-          </p:cNvPr>
-          <p:cNvSpPr>
-            <a:spLocks noGrp="1"/>
-          </p:cNvSpPr>
-          <p:nvPr>
-            <p:ph type="title"/>
-          </p:nvPr>
-        </p:nvSpPr>
-        <p:spPr/>
-        <p:txBody>
-          <a:bodyPr/>
-          <a:lstStyle/>
-          <a:p>
-            <a:r>
-              <a:rPr lang="zh-TW" altLang="en-US" dirty="0"/>
-              <a:t>多語般若心經 </a:t>
-            </a:r>
-            <a:r>
-              <a:rPr lang="en-US" altLang="zh-TW" dirty="0"/>
-              <a:t>(</a:t>
-            </a:r>
-            <a:r>
-              <a:rPr lang="zh-TW" altLang="en-US" dirty="0"/>
-              <a:t>漢梵日台華英</a:t>
-            </a:r>
-            <a:r>
-              <a:rPr lang="en-US" altLang="zh-TW" dirty="0"/>
-              <a:t>)</a:t>
-            </a:r>
-            <a:endParaRPr lang="zh-TW" altLang="en-US" dirty="0"/>
-          </a:p>
-        </p:txBody>
-      </p:sp>
-      <p:sp>
-        <p:nvSpPr>
-          <p:cNvPr id="3" name="內容版面配置區 2">
-            <a:extLst>
-              <a:ext uri="{FF2B5EF4-FFF2-40B4-BE49-F238E27FC236}">
-                <a16:creationId xmlns:a16="http://schemas.microsoft.com/office/drawing/2014/main" id="{D56EC8AD-FACC-2040-97AB-8C2F78C653B0}"/>
-              </a:ext>
-            </a:extLst>
-          </p:cNvPr>
-          <p:cNvSpPr>
-            <a:spLocks noGrp="1"/>
-          </p:cNvSpPr>
-          <p:nvPr>
-            <p:ph sz="half" idx="1"/>
-          </p:nvPr>
-        </p:nvSpPr>
-        <p:spPr>
-          <a:xfrm>
-            <a:off x="838200" y="1825625"/>
-            <a:ext cx="5181600" cy="4204472"/>
-          </a:xfrm>
-        </p:spPr>
-        <p:txBody>
-          <a:bodyPr>
-            <a:normAutofit/>
-          </a:bodyPr>
-          <a:lstStyle/>
-          <a:p>
-            <a:r>
-              <a:rPr lang="sv-SE" altLang="zh-TW" dirty="0">
-                <a:hlinkClick r:id="rId2"/>
-              </a:rPr>
-              <a:t>Buddhist Heart Sutra in Sanskrit</a:t>
-            </a:r>
-            <a:endParaRPr lang="en-US" altLang="zh-TW" dirty="0">
-              <a:hlinkClick r:id="rId2"/>
-            </a:endParaRPr>
-          </a:p>
-          <a:p>
-            <a:pPr lvl="2"/>
-            <a:r>
-              <a:rPr lang="en-US" altLang="zh-TW" dirty="0">
-                <a:hlinkClick r:id="rId2"/>
-              </a:rPr>
-              <a:t>https://youtu.be/FZ0w4B80uZA</a:t>
-            </a:r>
-            <a:endParaRPr lang="en-US" altLang="zh-TW" dirty="0"/>
-          </a:p>
-          <a:p>
-            <a:endParaRPr lang="en-US" altLang="zh-TW" dirty="0"/>
-          </a:p>
-          <a:p>
-            <a:r>
-              <a:rPr lang="en-US" altLang="zh-TW" dirty="0">
-                <a:hlinkClick r:id="rId3"/>
-              </a:rPr>
-              <a:t>Heart Sutra × </a:t>
-            </a:r>
-            <a:r>
-              <a:rPr lang="en-US" altLang="zh-TW" dirty="0" err="1">
-                <a:hlinkClick r:id="rId3"/>
-              </a:rPr>
-              <a:t>Ikkyu</a:t>
-            </a:r>
-            <a:r>
-              <a:rPr lang="en-US" altLang="zh-TW" dirty="0">
-                <a:hlinkClick r:id="rId3"/>
-              </a:rPr>
-              <a:t>-ji </a:t>
-            </a:r>
-            <a:r>
-              <a:rPr lang="en-US" altLang="zh-TW" dirty="0" err="1">
-                <a:hlinkClick r:id="rId3"/>
-              </a:rPr>
-              <a:t>Temple,Kyoto</a:t>
-            </a:r>
-            <a:r>
-              <a:rPr lang="en-US" altLang="zh-TW" dirty="0">
-                <a:hlinkClick r:id="rId3"/>
-              </a:rPr>
-              <a:t> / </a:t>
-            </a:r>
-            <a:r>
-              <a:rPr lang="en-US" altLang="zh-TW" dirty="0" err="1">
-                <a:hlinkClick r:id="rId3"/>
-              </a:rPr>
-              <a:t>Kanho</a:t>
-            </a:r>
-            <a:r>
-              <a:rPr lang="en-US" altLang="zh-TW" dirty="0">
-                <a:hlinkClick r:id="rId3"/>
-              </a:rPr>
-              <a:t> </a:t>
-            </a:r>
-            <a:r>
-              <a:rPr lang="en-US" altLang="zh-TW" dirty="0" err="1">
-                <a:hlinkClick r:id="rId3"/>
-              </a:rPr>
-              <a:t>Yakushiji【Japanese</a:t>
-            </a:r>
-            <a:r>
-              <a:rPr lang="en-US" altLang="zh-TW" dirty="0">
-                <a:hlinkClick r:id="rId3"/>
-              </a:rPr>
-              <a:t> Buddhist Monk music】</a:t>
-            </a:r>
-          </a:p>
-          <a:p>
-            <a:pPr lvl="1"/>
-            <a:r>
-              <a:rPr lang="en-US" altLang="zh-TW" dirty="0">
-                <a:hlinkClick r:id="rId3"/>
-              </a:rPr>
-              <a:t>https://youtu.be/gm4hTcRhoqI</a:t>
-            </a:r>
-            <a:endParaRPr lang="en-US" altLang="zh-TW" dirty="0"/>
-          </a:p>
-          <a:p>
-            <a:endParaRPr lang="en-US" altLang="zh-TW" dirty="0"/>
-          </a:p>
-          <a:p>
-            <a:endParaRPr lang="zh-TW" altLang="en-US" dirty="0"/>
-          </a:p>
-        </p:txBody>
-      </p:sp>
-      <p:sp>
-        <p:nvSpPr>
-          <p:cNvPr id="5" name="投影片編號版面配置區 4">
-            <a:extLst>
-              <a:ext uri="{FF2B5EF4-FFF2-40B4-BE49-F238E27FC236}">
-                <a16:creationId xmlns:a16="http://schemas.microsoft.com/office/drawing/2014/main" id="{76959970-B645-F795-106F-C7E54DA95619}"/>
-              </a:ext>
-            </a:extLst>
-          </p:cNvPr>
-          <p:cNvSpPr>
-            <a:spLocks noGrp="1"/>
-          </p:cNvSpPr>
-          <p:nvPr>
-            <p:ph type="sldNum" sz="quarter" idx="12"/>
-          </p:nvPr>
-        </p:nvSpPr>
-        <p:spPr/>
-        <p:txBody>
-          <a:bodyPr/>
-          <a:lstStyle/>
-          <a:p>
-            <a:fld id="{FC9D55E0-70B7-4F93-8B87-27F39FE35248}" type="slidenum">
-              <a:rPr lang="zh-TW" altLang="en-US" smtClean="0"/>
-              <a:t>15</a:t>
-            </a:fld>
-            <a:endParaRPr lang="zh-TW" altLang="en-US"/>
-          </a:p>
-        </p:txBody>
-      </p:sp>
-    </p:spTree>
-    <p:extLst>
-      <p:ext uri="{BB962C8B-B14F-4D97-AF65-F5344CB8AC3E}">
-        <p14:creationId xmlns:p14="http://schemas.microsoft.com/office/powerpoint/2010/main" val="2721904252"/>
-      </p:ext>
-    </p:extLst>
-  </p:cSld>
-  <p:clrMapOvr>
-    <a:masterClrMapping/>
-  </p:clrMapOvr>
-</p:sld>
-</file>
-
-<file path=ppt/slides/slide16.xml><?xml version="1.0" encoding="utf-8"?>
-<p:sld xmlns:a="http://schemas.openxmlformats.org/drawingml/2006/main" xmlns:r="http://schemas.openxmlformats.org/officeDocument/2006/relationships" xmlns:p="http://schemas.openxmlformats.org/presentationml/2006/main">
-  <p:cSld>
-    <p:spTree>
-      <p:nvGrpSpPr>
-        <p:cNvPr id="1" name=""/>
-        <p:cNvGrpSpPr/>
-        <p:nvPr/>
-      </p:nvGrpSpPr>
-      <p:grpSpPr>
-        <a:xfrm>
-          <a:off x="0" y="0"/>
-          <a:ext cx="0" cy="0"/>
-          <a:chOff x="0" y="0"/>
-          <a:chExt cx="0" cy="0"/>
-        </a:xfrm>
-      </p:grpSpPr>
-      <p:sp>
-        <p:nvSpPr>
-          <p:cNvPr id="2" name="標題 1">
-            <a:extLst>
-              <a:ext uri="{FF2B5EF4-FFF2-40B4-BE49-F238E27FC236}">
                 <a16:creationId xmlns:a16="http://schemas.microsoft.com/office/drawing/2014/main" id="{3DC966C8-87C7-354D-926A-712134996300}"/>
               </a:ext>
             </a:extLst>
@@ -8546,7 +8326,7 @@
           <a:p>
             <a:fld id="{FC9D55E0-70B7-4F93-8B87-27F39FE35248}" type="slidenum">
               <a:rPr lang="zh-TW" altLang="en-US" smtClean="0"/>
-              <a:t>16</a:t>
+              <a:t>15</a:t>
             </a:fld>
             <a:endParaRPr lang="zh-TW" altLang="en-US"/>
           </a:p>
@@ -8658,7 +8438,7 @@
 </p:sld>
 </file>
 
-<file path=ppt/slides/slide17.xml><?xml version="1.0" encoding="utf-8"?>
+<file path=ppt/slides/slide16.xml><?xml version="1.0" encoding="utf-8"?>
 <p:sld xmlns:a="http://schemas.openxmlformats.org/drawingml/2006/main" xmlns:r="http://schemas.openxmlformats.org/officeDocument/2006/relationships" xmlns:p="http://schemas.openxmlformats.org/presentationml/2006/main">
   <p:cSld>
     <p:spTree>
@@ -8733,7 +8513,7 @@
           <a:p>
             <a:fld id="{FC9D55E0-70B7-4F93-8B87-27F39FE35248}" type="slidenum">
               <a:rPr lang="zh-TW" altLang="en-US" smtClean="0"/>
-              <a:t>17</a:t>
+              <a:t>16</a:t>
             </a:fld>
             <a:endParaRPr lang="zh-TW" altLang="en-US"/>
           </a:p>
@@ -8782,7 +8562,7 @@
 </p:sld>
 </file>
 
-<file path=ppt/slides/slide18.xml><?xml version="1.0" encoding="utf-8"?>
+<file path=ppt/slides/slide17.xml><?xml version="1.0" encoding="utf-8"?>
 <p:sld xmlns:a="http://schemas.openxmlformats.org/drawingml/2006/main" xmlns:r="http://schemas.openxmlformats.org/officeDocument/2006/relationships" xmlns:p="http://schemas.openxmlformats.org/presentationml/2006/main">
   <p:cSld>
     <p:spTree>
@@ -8822,7 +8602,7 @@
           <a:p>
             <a:fld id="{FC9D55E0-70B7-4F93-8B87-27F39FE35248}" type="slidenum">
               <a:rPr lang="zh-TW" altLang="en-US" smtClean="0"/>
-              <a:t>18</a:t>
+              <a:t>17</a:t>
             </a:fld>
             <a:endParaRPr lang="zh-TW" altLang="en-US"/>
           </a:p>
@@ -8862,6 +8642,506 @@
     <p:extLst>
       <p:ext uri="{BB962C8B-B14F-4D97-AF65-F5344CB8AC3E}">
         <p14:creationId xmlns:p14="http://schemas.microsoft.com/office/powerpoint/2010/main" val="1966546831"/>
+      </p:ext>
+    </p:extLst>
+  </p:cSld>
+  <p:clrMapOvr>
+    <a:masterClrMapping/>
+  </p:clrMapOvr>
+</p:sld>
+</file>
+
+<file path=ppt/slides/slide18.xml><?xml version="1.0" encoding="utf-8"?>
+<p:sld xmlns:a="http://schemas.openxmlformats.org/drawingml/2006/main" xmlns:r="http://schemas.openxmlformats.org/officeDocument/2006/relationships" xmlns:p="http://schemas.openxmlformats.org/presentationml/2006/main">
+  <p:cSld>
+    <p:spTree>
+      <p:nvGrpSpPr>
+        <p:cNvPr id="1" name=""/>
+        <p:cNvGrpSpPr/>
+        <p:nvPr/>
+      </p:nvGrpSpPr>
+      <p:grpSpPr>
+        <a:xfrm>
+          <a:off x="0" y="0"/>
+          <a:ext cx="0" cy="0"/>
+          <a:chOff x="0" y="0"/>
+          <a:chExt cx="0" cy="0"/>
+        </a:xfrm>
+      </p:grpSpPr>
+      <p:sp>
+        <p:nvSpPr>
+          <p:cNvPr id="2" name="標題 1">
+            <a:extLst>
+              <a:ext uri="{FF2B5EF4-FFF2-40B4-BE49-F238E27FC236}">
+                <a16:creationId xmlns:a16="http://schemas.microsoft.com/office/drawing/2014/main" id="{4B79F121-4084-B946-4586-3791F356190A}"/>
+              </a:ext>
+            </a:extLst>
+          </p:cNvPr>
+          <p:cNvSpPr>
+            <a:spLocks noGrp="1"/>
+          </p:cNvSpPr>
+          <p:nvPr>
+            <p:ph type="title"/>
+          </p:nvPr>
+        </p:nvSpPr>
+        <p:spPr/>
+        <p:txBody>
+          <a:bodyPr/>
+          <a:lstStyle/>
+          <a:p>
+            <a:r>
+              <a:rPr lang="zh-TW" altLang="en-US" dirty="0"/>
+              <a:t>多語般若心經 </a:t>
+            </a:r>
+            <a:r>
+              <a:rPr lang="en-US" altLang="zh-TW" dirty="0"/>
+              <a:t>(</a:t>
+            </a:r>
+            <a:r>
+              <a:rPr lang="zh-TW" altLang="en-US" dirty="0"/>
+              <a:t>漢梵日台華英</a:t>
+            </a:r>
+            <a:r>
+              <a:rPr lang="en-US" altLang="zh-TW" dirty="0"/>
+              <a:t>)</a:t>
+            </a:r>
+            <a:endParaRPr lang="zh-TW" altLang="en-US" dirty="0"/>
+          </a:p>
+        </p:txBody>
+      </p:sp>
+      <p:sp>
+        <p:nvSpPr>
+          <p:cNvPr id="3" name="內容版面配置區 2">
+            <a:extLst>
+              <a:ext uri="{FF2B5EF4-FFF2-40B4-BE49-F238E27FC236}">
+                <a16:creationId xmlns:a16="http://schemas.microsoft.com/office/drawing/2014/main" id="{D56EC8AD-FACC-2040-97AB-8C2F78C653B0}"/>
+              </a:ext>
+            </a:extLst>
+          </p:cNvPr>
+          <p:cNvSpPr>
+            <a:spLocks noGrp="1"/>
+          </p:cNvSpPr>
+          <p:nvPr>
+            <p:ph sz="half" idx="1"/>
+          </p:nvPr>
+        </p:nvSpPr>
+        <p:spPr>
+          <a:xfrm>
+            <a:off x="838200" y="1825625"/>
+            <a:ext cx="5181600" cy="4204472"/>
+          </a:xfrm>
+        </p:spPr>
+        <p:txBody>
+          <a:bodyPr>
+            <a:normAutofit/>
+          </a:bodyPr>
+          <a:lstStyle/>
+          <a:p>
+            <a:r>
+              <a:rPr lang="sv-SE" altLang="zh-TW" dirty="0">
+                <a:hlinkClick r:id="rId2"/>
+              </a:rPr>
+              <a:t>Buddhist Heart Sutra in Sanskrit</a:t>
+            </a:r>
+            <a:endParaRPr lang="en-US" altLang="zh-TW" dirty="0">
+              <a:hlinkClick r:id="rId2"/>
+            </a:endParaRPr>
+          </a:p>
+          <a:p>
+            <a:pPr lvl="2"/>
+            <a:r>
+              <a:rPr lang="en-US" altLang="zh-TW" dirty="0">
+                <a:hlinkClick r:id="rId2"/>
+              </a:rPr>
+              <a:t>https://youtu.be/FZ0w4B80uZA</a:t>
+            </a:r>
+            <a:endParaRPr lang="en-US" altLang="zh-TW" dirty="0"/>
+          </a:p>
+          <a:p>
+            <a:endParaRPr lang="en-US" altLang="zh-TW" dirty="0"/>
+          </a:p>
+          <a:p>
+            <a:r>
+              <a:rPr lang="en-US" altLang="zh-TW" dirty="0">
+                <a:hlinkClick r:id="rId3"/>
+              </a:rPr>
+              <a:t>Heart Sutra × </a:t>
+            </a:r>
+            <a:r>
+              <a:rPr lang="en-US" altLang="zh-TW" dirty="0" err="1">
+                <a:hlinkClick r:id="rId3"/>
+              </a:rPr>
+              <a:t>Ikkyu</a:t>
+            </a:r>
+            <a:r>
+              <a:rPr lang="en-US" altLang="zh-TW" dirty="0">
+                <a:hlinkClick r:id="rId3"/>
+              </a:rPr>
+              <a:t>-ji </a:t>
+            </a:r>
+            <a:r>
+              <a:rPr lang="en-US" altLang="zh-TW" dirty="0" err="1">
+                <a:hlinkClick r:id="rId3"/>
+              </a:rPr>
+              <a:t>Temple,Kyoto</a:t>
+            </a:r>
+            <a:r>
+              <a:rPr lang="en-US" altLang="zh-TW" dirty="0">
+                <a:hlinkClick r:id="rId3"/>
+              </a:rPr>
+              <a:t> / </a:t>
+            </a:r>
+            <a:r>
+              <a:rPr lang="en-US" altLang="zh-TW" dirty="0" err="1">
+                <a:hlinkClick r:id="rId3"/>
+              </a:rPr>
+              <a:t>Kanho</a:t>
+            </a:r>
+            <a:r>
+              <a:rPr lang="en-US" altLang="zh-TW" dirty="0">
+                <a:hlinkClick r:id="rId3"/>
+              </a:rPr>
+              <a:t> </a:t>
+            </a:r>
+            <a:r>
+              <a:rPr lang="en-US" altLang="zh-TW" dirty="0" err="1">
+                <a:hlinkClick r:id="rId3"/>
+              </a:rPr>
+              <a:t>Yakushiji【Japanese</a:t>
+            </a:r>
+            <a:r>
+              <a:rPr lang="en-US" altLang="zh-TW" dirty="0">
+                <a:hlinkClick r:id="rId3"/>
+              </a:rPr>
+              <a:t> Buddhist Monk music】</a:t>
+            </a:r>
+          </a:p>
+          <a:p>
+            <a:pPr lvl="1"/>
+            <a:r>
+              <a:rPr lang="en-US" altLang="zh-TW" dirty="0">
+                <a:hlinkClick r:id="rId3"/>
+              </a:rPr>
+              <a:t>https://youtu.be/gm4hTcRhoqI</a:t>
+            </a:r>
+            <a:endParaRPr lang="en-US" altLang="zh-TW" dirty="0"/>
+          </a:p>
+          <a:p>
+            <a:endParaRPr lang="en-US" altLang="zh-TW" dirty="0"/>
+          </a:p>
+          <a:p>
+            <a:endParaRPr lang="zh-TW" altLang="en-US" dirty="0"/>
+          </a:p>
+        </p:txBody>
+      </p:sp>
+      <p:sp>
+        <p:nvSpPr>
+          <p:cNvPr id="5" name="投影片編號版面配置區 4">
+            <a:extLst>
+              <a:ext uri="{FF2B5EF4-FFF2-40B4-BE49-F238E27FC236}">
+                <a16:creationId xmlns:a16="http://schemas.microsoft.com/office/drawing/2014/main" id="{76959970-B645-F795-106F-C7E54DA95619}"/>
+              </a:ext>
+            </a:extLst>
+          </p:cNvPr>
+          <p:cNvSpPr>
+            <a:spLocks noGrp="1"/>
+          </p:cNvSpPr>
+          <p:nvPr>
+            <p:ph type="sldNum" sz="quarter" idx="12"/>
+          </p:nvPr>
+        </p:nvSpPr>
+        <p:spPr/>
+        <p:txBody>
+          <a:bodyPr/>
+          <a:lstStyle/>
+          <a:p>
+            <a:fld id="{FC9D55E0-70B7-4F93-8B87-27F39FE35248}" type="slidenum">
+              <a:rPr lang="zh-TW" altLang="en-US" smtClean="0"/>
+              <a:t>18</a:t>
+            </a:fld>
+            <a:endParaRPr lang="zh-TW" altLang="en-US"/>
+          </a:p>
+        </p:txBody>
+      </p:sp>
+    </p:spTree>
+    <p:extLst>
+      <p:ext uri="{BB962C8B-B14F-4D97-AF65-F5344CB8AC3E}">
+        <p14:creationId xmlns:p14="http://schemas.microsoft.com/office/powerpoint/2010/main" val="2721904252"/>
+      </p:ext>
+    </p:extLst>
+  </p:cSld>
+  <p:clrMapOvr>
+    <a:masterClrMapping/>
+  </p:clrMapOvr>
+</p:sld>
+</file>
+
+<file path=ppt/slides/slide19.xml><?xml version="1.0" encoding="utf-8"?>
+<p:sld xmlns:a="http://schemas.openxmlformats.org/drawingml/2006/main" xmlns:r="http://schemas.openxmlformats.org/officeDocument/2006/relationships" xmlns:p="http://schemas.openxmlformats.org/presentationml/2006/main">
+  <p:cSld>
+    <p:spTree>
+      <p:nvGrpSpPr>
+        <p:cNvPr id="1" name=""/>
+        <p:cNvGrpSpPr/>
+        <p:nvPr/>
+      </p:nvGrpSpPr>
+      <p:grpSpPr>
+        <a:xfrm>
+          <a:off x="0" y="0"/>
+          <a:ext cx="0" cy="0"/>
+          <a:chOff x="0" y="0"/>
+          <a:chExt cx="0" cy="0"/>
+        </a:xfrm>
+      </p:grpSpPr>
+      <p:sp>
+        <p:nvSpPr>
+          <p:cNvPr id="2" name="標題 1">
+            <a:extLst>
+              <a:ext uri="{FF2B5EF4-FFF2-40B4-BE49-F238E27FC236}">
+                <a16:creationId xmlns:a16="http://schemas.microsoft.com/office/drawing/2014/main" id="{93625EDB-7EF0-044E-C028-B89AD9983EE0}"/>
+              </a:ext>
+            </a:extLst>
+          </p:cNvPr>
+          <p:cNvSpPr>
+            <a:spLocks noGrp="1"/>
+          </p:cNvSpPr>
+          <p:nvPr>
+            <p:ph type="title"/>
+          </p:nvPr>
+        </p:nvSpPr>
+        <p:spPr/>
+        <p:txBody>
+          <a:bodyPr/>
+          <a:lstStyle/>
+          <a:p>
+            <a:r>
+              <a:rPr lang="en-US" altLang="zh-TW" dirty="0"/>
+              <a:t>Open-AI  Whisper, </a:t>
+            </a:r>
+            <a:br>
+              <a:rPr lang="en-US" altLang="zh-TW" dirty="0"/>
+            </a:br>
+            <a:r>
+              <a:rPr lang="en-US" altLang="zh-TW" dirty="0"/>
+              <a:t>Speech Recognition for </a:t>
+            </a:r>
+            <a:r>
+              <a:rPr lang="en-US" altLang="zh-TW" dirty="0" err="1"/>
+              <a:t>multilanguages</a:t>
+            </a:r>
+            <a:endParaRPr lang="zh-TW" altLang="en-US" dirty="0"/>
+          </a:p>
+        </p:txBody>
+      </p:sp>
+      <p:sp>
+        <p:nvSpPr>
+          <p:cNvPr id="3" name="內容版面配置區 2">
+            <a:extLst>
+              <a:ext uri="{FF2B5EF4-FFF2-40B4-BE49-F238E27FC236}">
+                <a16:creationId xmlns:a16="http://schemas.microsoft.com/office/drawing/2014/main" id="{34003BFA-5C73-08FD-8891-9715F01840CE}"/>
+              </a:ext>
+            </a:extLst>
+          </p:cNvPr>
+          <p:cNvSpPr>
+            <a:spLocks noGrp="1"/>
+          </p:cNvSpPr>
+          <p:nvPr>
+            <p:ph sz="half" idx="1"/>
+          </p:nvPr>
+        </p:nvSpPr>
+        <p:spPr>
+          <a:xfrm>
+            <a:off x="838200" y="1825625"/>
+            <a:ext cx="5181600" cy="2539898"/>
+          </a:xfrm>
+        </p:spPr>
+        <p:txBody>
+          <a:bodyPr/>
+          <a:lstStyle/>
+          <a:p>
+            <a:r>
+              <a:rPr lang="en-US" altLang="zh-TW" b="1" i="0" dirty="0">
+                <a:solidFill>
+                  <a:srgbClr val="303233"/>
+                </a:solidFill>
+                <a:effectLst/>
+                <a:latin typeface="Lato" panose="020F0502020204030203" pitchFamily="34" charset="0"/>
+              </a:rPr>
+              <a:t>OpenAI </a:t>
+            </a:r>
+            <a:r>
+              <a:rPr lang="zh-TW" altLang="en-US" b="1" i="0" dirty="0">
+                <a:solidFill>
+                  <a:srgbClr val="303233"/>
+                </a:solidFill>
+                <a:effectLst/>
+                <a:latin typeface="Lato" panose="020F0502020204030203" pitchFamily="34" charset="0"/>
+              </a:rPr>
+              <a:t>免費開源語音辨識系統</a:t>
+            </a:r>
+            <a:r>
+              <a:rPr lang="en-US" altLang="zh-TW" b="1" i="0" dirty="0">
+                <a:solidFill>
+                  <a:srgbClr val="303233"/>
+                </a:solidFill>
+                <a:effectLst/>
+                <a:latin typeface="Lato" panose="020F0502020204030203" pitchFamily="34" charset="0"/>
+              </a:rPr>
+              <a:t>-- Whisper </a:t>
+            </a:r>
+            <a:r>
+              <a:rPr lang="zh-TW" altLang="en-US" b="1" i="0" dirty="0">
+                <a:solidFill>
+                  <a:srgbClr val="303233"/>
+                </a:solidFill>
+                <a:effectLst/>
+                <a:latin typeface="Lato" panose="020F0502020204030203" pitchFamily="34" charset="0"/>
+              </a:rPr>
+              <a:t>安裝簡介及原理</a:t>
+            </a:r>
+          </a:p>
+          <a:p>
+            <a:pPr lvl="1"/>
+            <a:r>
+              <a:rPr lang="en-US" altLang="zh-TW" dirty="0">
+                <a:hlinkClick r:id="rId2"/>
+              </a:rPr>
+              <a:t>OpenAI </a:t>
+            </a:r>
+            <a:r>
+              <a:rPr lang="zh-TW" altLang="en-US" dirty="0">
+                <a:hlinkClick r:id="rId2"/>
+              </a:rPr>
+              <a:t>免費開源語音辨識系統</a:t>
+            </a:r>
+            <a:r>
+              <a:rPr lang="en-US" altLang="zh-TW" dirty="0">
+                <a:hlinkClick r:id="rId2"/>
+              </a:rPr>
+              <a:t>-- Whisper </a:t>
+            </a:r>
+            <a:r>
+              <a:rPr lang="zh-TW" altLang="en-US" dirty="0">
+                <a:hlinkClick r:id="rId2"/>
+              </a:rPr>
+              <a:t>安裝簡介及原理 </a:t>
+            </a:r>
+            <a:r>
+              <a:rPr lang="en-US" altLang="zh-TW" dirty="0">
+                <a:hlinkClick r:id="rId2"/>
+              </a:rPr>
+              <a:t>- </a:t>
+            </a:r>
+            <a:r>
+              <a:rPr lang="en-US" altLang="zh-TW" dirty="0" err="1">
+                <a:hlinkClick r:id="rId2"/>
+              </a:rPr>
+              <a:t>iT</a:t>
+            </a:r>
+            <a:r>
+              <a:rPr lang="en-US" altLang="zh-TW" dirty="0">
+                <a:hlinkClick r:id="rId2"/>
+              </a:rPr>
+              <a:t> </a:t>
+            </a:r>
+            <a:r>
+              <a:rPr lang="zh-TW" altLang="en-US" dirty="0">
+                <a:hlinkClick r:id="rId2"/>
+              </a:rPr>
+              <a:t>邦幫忙</a:t>
+            </a:r>
+            <a:r>
+              <a:rPr lang="en-US" altLang="zh-TW" dirty="0">
+                <a:hlinkClick r:id="rId2"/>
+              </a:rPr>
+              <a:t>::</a:t>
+            </a:r>
+            <a:r>
+              <a:rPr lang="zh-TW" altLang="en-US" dirty="0">
+                <a:hlinkClick r:id="rId2"/>
+              </a:rPr>
+              <a:t>一起幫忙解決難題，拯救 </a:t>
+            </a:r>
+            <a:r>
+              <a:rPr lang="en-US" altLang="zh-TW" dirty="0">
+                <a:hlinkClick r:id="rId2"/>
+              </a:rPr>
+              <a:t>IT </a:t>
+            </a:r>
+            <a:r>
+              <a:rPr lang="zh-TW" altLang="en-US" dirty="0">
+                <a:hlinkClick r:id="rId2"/>
+              </a:rPr>
+              <a:t>人的一天 </a:t>
+            </a:r>
+            <a:r>
+              <a:rPr lang="en-US" altLang="zh-TW" dirty="0">
+                <a:hlinkClick r:id="rId2"/>
+              </a:rPr>
+              <a:t>(ithome.com.tw)</a:t>
+            </a:r>
+            <a:endParaRPr lang="zh-TW" altLang="en-US" dirty="0"/>
+          </a:p>
+        </p:txBody>
+      </p:sp>
+      <p:sp>
+        <p:nvSpPr>
+          <p:cNvPr id="4" name="內容版面配置區 3">
+            <a:extLst>
+              <a:ext uri="{FF2B5EF4-FFF2-40B4-BE49-F238E27FC236}">
+                <a16:creationId xmlns:a16="http://schemas.microsoft.com/office/drawing/2014/main" id="{720AEC5F-4FB3-59B8-ED53-1DD39913BD47}"/>
+              </a:ext>
+            </a:extLst>
+          </p:cNvPr>
+          <p:cNvSpPr>
+            <a:spLocks noGrp="1"/>
+          </p:cNvSpPr>
+          <p:nvPr>
+            <p:ph sz="half" idx="2"/>
+          </p:nvPr>
+        </p:nvSpPr>
+        <p:spPr/>
+        <p:txBody>
+          <a:bodyPr/>
+          <a:lstStyle/>
+          <a:p>
+            <a:endParaRPr lang="zh-TW" altLang="en-US" dirty="0"/>
+          </a:p>
+        </p:txBody>
+      </p:sp>
+      <p:sp>
+        <p:nvSpPr>
+          <p:cNvPr id="5" name="投影片編號版面配置區 4">
+            <a:extLst>
+              <a:ext uri="{FF2B5EF4-FFF2-40B4-BE49-F238E27FC236}">
+                <a16:creationId xmlns:a16="http://schemas.microsoft.com/office/drawing/2014/main" id="{229EC320-E9E3-8168-1FA5-7D0C5B049E71}"/>
+              </a:ext>
+            </a:extLst>
+          </p:cNvPr>
+          <p:cNvSpPr>
+            <a:spLocks noGrp="1"/>
+          </p:cNvSpPr>
+          <p:nvPr>
+            <p:ph type="sldNum" sz="quarter" idx="12"/>
+          </p:nvPr>
+        </p:nvSpPr>
+        <p:spPr/>
+        <p:txBody>
+          <a:bodyPr/>
+          <a:lstStyle/>
+          <a:p>
+            <a:fld id="{FC9D55E0-70B7-4F93-8B87-27F39FE35248}" type="slidenum">
+              <a:rPr lang="zh-TW" altLang="en-US" smtClean="0"/>
+              <a:t>19</a:t>
+            </a:fld>
+            <a:endParaRPr lang="zh-TW" altLang="en-US"/>
+          </a:p>
+        </p:txBody>
+      </p:sp>
+    </p:spTree>
+    <p:extLst>
+      <p:ext uri="{BB962C8B-B14F-4D97-AF65-F5344CB8AC3E}">
+        <p14:creationId xmlns:p14="http://schemas.microsoft.com/office/powerpoint/2010/main" val="3494930177"/>
       </p:ext>
     </p:extLst>
   </p:cSld>
@@ -16136,69 +16416,36 @@
           </a:p>
         </p:txBody>
       </p:sp>
-      <p:graphicFrame>
-        <p:nvGraphicFramePr>
-          <p:cNvPr id="6" name="物件 5">
+      <p:pic>
+        <p:nvPicPr>
+          <p:cNvPr id="4" name="圖片 3">
             <a:extLst>
               <a:ext uri="{FF2B5EF4-FFF2-40B4-BE49-F238E27FC236}">
-                <a16:creationId xmlns:a16="http://schemas.microsoft.com/office/drawing/2014/main" id="{5DF0752C-341E-4871-117F-A5AC99FACE1C}"/>
+                <a16:creationId xmlns:a16="http://schemas.microsoft.com/office/drawing/2014/main" id="{27AD76EF-7F28-62FE-786A-15DB4E11E0CB}"/>
               </a:ext>
             </a:extLst>
           </p:cNvPr>
-          <p:cNvGraphicFramePr>
-            <a:graphicFrameLocks noChangeAspect="1"/>
-          </p:cNvGraphicFramePr>
-          <p:nvPr>
-            <p:extLst>
-              <p:ext uri="{D42A27DB-BD31-4B8C-83A1-F6EECF244321}">
-                <p14:modId xmlns:p14="http://schemas.microsoft.com/office/powerpoint/2010/main" val="2430884675"/>
-              </p:ext>
-            </p:extLst>
-          </p:nvPr>
-        </p:nvGraphicFramePr>
-        <p:xfrm>
-          <a:off x="1072023" y="1469871"/>
-          <a:ext cx="9772650" cy="3600450"/>
-        </p:xfrm>
-        <a:graphic>
-          <a:graphicData uri="http://schemas.openxmlformats.org/presentationml/2006/ole">
-            <mc:AlternateContent xmlns:mc="http://schemas.openxmlformats.org/markup-compatibility/2006">
-              <mc:Choice xmlns:v="urn:schemas-microsoft-com:vml" Requires="v">
-                <p:oleObj name="Worksheet" r:id="rId2" imgW="9772667" imgH="3600416" progId="Excel.Sheet.12">
-                  <p:embed/>
-                </p:oleObj>
-              </mc:Choice>
-              <mc:Fallback>
-                <p:oleObj name="Worksheet" r:id="rId2" imgW="9772667" imgH="3600416" progId="Excel.Sheet.12">
-                  <p:embed/>
-                  <p:pic>
-                    <p:nvPicPr>
-                      <p:cNvPr id="0" name=""/>
-                      <p:cNvPicPr/>
-                      <p:nvPr/>
-                    </p:nvPicPr>
-                    <p:blipFill>
-                      <a:blip r:embed="rId3"/>
-                      <a:stretch>
-                        <a:fillRect/>
-                      </a:stretch>
-                    </p:blipFill>
-                    <p:spPr>
-                      <a:xfrm>
-                        <a:off x="1072023" y="1469871"/>
-                        <a:ext cx="9772650" cy="3600450"/>
-                      </a:xfrm>
-                      <a:prstGeom prst="rect">
-                        <a:avLst/>
-                      </a:prstGeom>
-                    </p:spPr>
-                  </p:pic>
-                </p:oleObj>
-              </mc:Fallback>
-            </mc:AlternateContent>
-          </a:graphicData>
-        </a:graphic>
-      </p:graphicFrame>
+          <p:cNvPicPr>
+            <a:picLocks noChangeAspect="1"/>
+          </p:cNvPicPr>
+          <p:nvPr/>
+        </p:nvPicPr>
+        <p:blipFill>
+          <a:blip r:embed="rId2"/>
+          <a:stretch>
+            <a:fillRect/>
+          </a:stretch>
+        </p:blipFill>
+        <p:spPr>
+          <a:xfrm>
+            <a:off x="933450" y="1624012"/>
+            <a:ext cx="10325100" cy="3609975"/>
+          </a:xfrm>
+          <a:prstGeom prst="rect">
+            <a:avLst/>
+          </a:prstGeom>
+        </p:spPr>
+      </p:pic>
     </p:spTree>
     <p:extLst>
       <p:ext uri="{BB962C8B-B14F-4D97-AF65-F5344CB8AC3E}">
@@ -25466,10 +25713,10 @@
       </p:sp>
       <p:graphicFrame>
         <p:nvGraphicFramePr>
-          <p:cNvPr id="6" name="物件 5">
+          <p:cNvPr id="3" name="物件 2">
             <a:extLst>
               <a:ext uri="{FF2B5EF4-FFF2-40B4-BE49-F238E27FC236}">
-                <a16:creationId xmlns:a16="http://schemas.microsoft.com/office/drawing/2014/main" id="{3F6A245E-5405-6F76-447B-65F0FC3130AD}"/>
+                <a16:creationId xmlns:a16="http://schemas.microsoft.com/office/drawing/2014/main" id="{273C8098-D75A-6DA8-09E2-280519112BAB}"/>
               </a:ext>
             </a:extLst>
           </p:cNvPr>
@@ -25479,25 +25726,25 @@
           <p:nvPr>
             <p:extLst>
               <p:ext uri="{D42A27DB-BD31-4B8C-83A1-F6EECF244321}">
-                <p14:modId xmlns:p14="http://schemas.microsoft.com/office/powerpoint/2010/main" val="2396700060"/>
+                <p14:modId xmlns:p14="http://schemas.microsoft.com/office/powerpoint/2010/main" val="4287350474"/>
               </p:ext>
             </p:extLst>
           </p:nvPr>
         </p:nvGraphicFramePr>
         <p:xfrm>
-          <a:off x="976313" y="1627188"/>
-          <a:ext cx="10239375" cy="3600450"/>
+          <a:off x="938213" y="1627188"/>
+          <a:ext cx="10315575" cy="3600450"/>
         </p:xfrm>
         <a:graphic>
           <a:graphicData uri="http://schemas.openxmlformats.org/presentationml/2006/ole">
             <mc:AlternateContent xmlns:mc="http://schemas.openxmlformats.org/markup-compatibility/2006">
               <mc:Choice xmlns:v="urn:schemas-microsoft-com:vml" Requires="v">
-                <p:oleObj name="Worksheet" r:id="rId2" imgW="10239292" imgH="3600416" progId="Excel.Sheet.12">
+                <p:oleObj name="Worksheet" r:id="rId2" imgW="10315608" imgH="3600416" progId="Excel.Sheet.12">
                   <p:embed/>
                 </p:oleObj>
               </mc:Choice>
               <mc:Fallback>
-                <p:oleObj name="Worksheet" r:id="rId2" imgW="10239292" imgH="3600416" progId="Excel.Sheet.12">
+                <p:oleObj name="Worksheet" r:id="rId2" imgW="10315608" imgH="3600416" progId="Excel.Sheet.12">
                   <p:embed/>
                   <p:pic>
                     <p:nvPicPr>
@@ -25513,8 +25760,8 @@
                     </p:blipFill>
                     <p:spPr>
                       <a:xfrm>
-                        <a:off x="976313" y="1627188"/>
-                        <a:ext cx="10239375" cy="3600450"/>
+                        <a:off x="938213" y="1627188"/>
+                        <a:ext cx="10315575" cy="3600450"/>
                       </a:xfrm>
                       <a:prstGeom prst="rect">
                         <a:avLst/>

--- a/台語、IPA、多語.pptx
+++ b/台語、IPA、多語.pptx
@@ -3811,7 +3811,7 @@
         </p:nvSpPr>
         <p:spPr>
           <a:xfrm>
-            <a:off x="1524000" y="4700588"/>
+            <a:off x="1524000" y="4065416"/>
             <a:ext cx="9144000" cy="1655762"/>
           </a:xfrm>
         </p:spPr>
@@ -3831,13 +3831,6 @@
               <a:t>長庚大學資訊工程系副教授</a:t>
             </a:r>
             <a:endParaRPr lang="en-US" altLang="zh-TW" dirty="0"/>
-          </a:p>
-          <a:p>
-            <a:r>
-              <a:rPr lang="en-US" altLang="zh-TW" dirty="0"/>
-              <a:t>2023/08</a:t>
-            </a:r>
-            <a:endParaRPr lang="zh-TW" altLang="en-US" dirty="0"/>
           </a:p>
         </p:txBody>
       </p:sp>
@@ -3867,6 +3860,44 @@
               <a:t>1</a:t>
             </a:fld>
             <a:endParaRPr lang="zh-TW" altLang="en-US"/>
+          </a:p>
+        </p:txBody>
+      </p:sp>
+      <p:sp>
+        <p:nvSpPr>
+          <p:cNvPr id="8" name="文字方塊 7">
+            <a:extLst>
+              <a:ext uri="{FF2B5EF4-FFF2-40B4-BE49-F238E27FC236}">
+                <a16:creationId xmlns:a16="http://schemas.microsoft.com/office/drawing/2014/main" id="{0CF0EB90-A1E8-F448-3826-030E94F2B2E0}"/>
+              </a:ext>
+            </a:extLst>
+          </p:cNvPr>
+          <p:cNvSpPr txBox="1"/>
+          <p:nvPr/>
+        </p:nvSpPr>
+        <p:spPr>
+          <a:xfrm>
+            <a:off x="4126149" y="5338583"/>
+            <a:ext cx="5698788" cy="1200329"/>
+          </a:xfrm>
+          <a:prstGeom prst="rect">
+            <a:avLst/>
+          </a:prstGeom>
+          <a:noFill/>
+        </p:spPr>
+        <p:txBody>
+          <a:bodyPr wrap="square">
+            <a:spAutoFit/>
+          </a:bodyPr>
+          <a:lstStyle/>
+          <a:p>
+            <a:r>
+              <a:rPr lang="en-US" altLang="zh-TW" sz="3600" dirty="0">
+                <a:hlinkClick r:id="rId2"/>
+              </a:rPr>
+              <a:t>https://github.com/renyuanL/ryLecture2023</a:t>
+            </a:r>
+            <a:endParaRPr lang="zh-TW" altLang="en-US" sz="3600" dirty="0"/>
           </a:p>
         </p:txBody>
       </p:sp>

--- a/台語、IPA、多語.pptx
+++ b/台語、IPA、多語.pptx
@@ -5,7 +5,7 @@
     <p:sldMasterId id="2147483648" r:id="rId1"/>
   </p:sldMasterIdLst>
   <p:notesMasterIdLst>
-    <p:notesMasterId r:id="rId21"/>
+    <p:notesMasterId r:id="rId22"/>
   </p:notesMasterIdLst>
   <p:sldIdLst>
     <p:sldId id="256" r:id="rId2"/>
@@ -27,6 +27,7 @@
     <p:sldId id="273" r:id="rId18"/>
     <p:sldId id="265" r:id="rId19"/>
     <p:sldId id="275" r:id="rId20"/>
+    <p:sldId id="276" r:id="rId21"/>
   </p:sldIdLst>
   <p:sldSz cx="12192000" cy="6858000"/>
   <p:notesSz cx="6858000" cy="9144000"/>
@@ -9520,6 +9521,205 @@
     <p:extLst>
       <p:ext uri="{BB962C8B-B14F-4D97-AF65-F5344CB8AC3E}">
         <p14:creationId xmlns:p14="http://schemas.microsoft.com/office/powerpoint/2010/main" val="3408859638"/>
+      </p:ext>
+    </p:extLst>
+  </p:cSld>
+  <p:clrMapOvr>
+    <a:masterClrMapping/>
+  </p:clrMapOvr>
+</p:sld>
+</file>
+
+<file path=ppt/slides/slide20.xml><?xml version="1.0" encoding="utf-8"?>
+<p:sld xmlns:a="http://schemas.openxmlformats.org/drawingml/2006/main" xmlns:r="http://schemas.openxmlformats.org/officeDocument/2006/relationships" xmlns:p="http://schemas.openxmlformats.org/presentationml/2006/main">
+  <p:cSld>
+    <p:spTree>
+      <p:nvGrpSpPr>
+        <p:cNvPr id="1" name=""/>
+        <p:cNvGrpSpPr/>
+        <p:nvPr/>
+      </p:nvGrpSpPr>
+      <p:grpSpPr>
+        <a:xfrm>
+          <a:off x="0" y="0"/>
+          <a:ext cx="0" cy="0"/>
+          <a:chOff x="0" y="0"/>
+          <a:chExt cx="0" cy="0"/>
+        </a:xfrm>
+      </p:grpSpPr>
+      <p:sp>
+        <p:nvSpPr>
+          <p:cNvPr id="2" name="標題 1">
+            <a:extLst>
+              <a:ext uri="{FF2B5EF4-FFF2-40B4-BE49-F238E27FC236}">
+                <a16:creationId xmlns:a16="http://schemas.microsoft.com/office/drawing/2014/main" id="{6E835A19-944B-273A-6F28-BADA30407363}"/>
+              </a:ext>
+            </a:extLst>
+          </p:cNvPr>
+          <p:cNvSpPr>
+            <a:spLocks noGrp="1"/>
+          </p:cNvSpPr>
+          <p:nvPr>
+            <p:ph type="title"/>
+          </p:nvPr>
+        </p:nvSpPr>
+        <p:spPr/>
+        <p:txBody>
+          <a:bodyPr/>
+          <a:lstStyle/>
+          <a:p>
+            <a:r>
+              <a:rPr lang="zh-TW" altLang="en-US" dirty="0"/>
+              <a:t>逐字稿 </a:t>
+            </a:r>
+            <a:r>
+              <a:rPr lang="en-US" altLang="zh-TW" dirty="0"/>
+              <a:t>(</a:t>
+            </a:r>
+            <a:r>
+              <a:rPr lang="zh-TW" altLang="en-US" dirty="0"/>
+              <a:t>多語</a:t>
+            </a:r>
+            <a:r>
+              <a:rPr lang="en-US" altLang="zh-TW" dirty="0"/>
+              <a:t>)</a:t>
+            </a:r>
+            <a:endParaRPr lang="zh-TW" altLang="en-US" dirty="0"/>
+          </a:p>
+        </p:txBody>
+      </p:sp>
+      <p:sp>
+        <p:nvSpPr>
+          <p:cNvPr id="3" name="內容版面配置區 2">
+            <a:extLst>
+              <a:ext uri="{FF2B5EF4-FFF2-40B4-BE49-F238E27FC236}">
+                <a16:creationId xmlns:a16="http://schemas.microsoft.com/office/drawing/2014/main" id="{4E1C6A85-9CFB-AD3E-438F-A26087D872DD}"/>
+              </a:ext>
+            </a:extLst>
+          </p:cNvPr>
+          <p:cNvSpPr>
+            <a:spLocks noGrp="1"/>
+          </p:cNvSpPr>
+          <p:nvPr>
+            <p:ph sz="half" idx="1"/>
+          </p:nvPr>
+        </p:nvSpPr>
+        <p:spPr>
+          <a:xfrm>
+            <a:off x="838200" y="1825625"/>
+            <a:ext cx="5181600" cy="2055711"/>
+          </a:xfrm>
+        </p:spPr>
+        <p:txBody>
+          <a:bodyPr/>
+          <a:lstStyle/>
+          <a:p>
+            <a:r>
+              <a:rPr lang="zh-TW" altLang="en-US" dirty="0">
+                <a:hlinkClick r:id="rId2"/>
+              </a:rPr>
+              <a:t>古嚴寺，六祖壇經</a:t>
+            </a:r>
+            <a:endParaRPr lang="en-US" altLang="zh-TW" dirty="0">
+              <a:hlinkClick r:id="rId2"/>
+            </a:endParaRPr>
+          </a:p>
+          <a:p>
+            <a:pPr lvl="1"/>
+            <a:r>
+              <a:rPr lang="en-US" altLang="zh-TW" dirty="0">
+                <a:hlinkClick r:id="rId2"/>
+              </a:rPr>
+              <a:t>https://youtube.com/playlist?list=PLiKV-SdW8Y0wpHZkNzn3wtxwF-elCUjNJ</a:t>
+            </a:r>
+            <a:endParaRPr lang="en-US" altLang="zh-TW" dirty="0"/>
+          </a:p>
+          <a:p>
+            <a:endParaRPr lang="zh-TW" altLang="en-US" dirty="0"/>
+          </a:p>
+        </p:txBody>
+      </p:sp>
+      <p:sp>
+        <p:nvSpPr>
+          <p:cNvPr id="4" name="內容版面配置區 3">
+            <a:extLst>
+              <a:ext uri="{FF2B5EF4-FFF2-40B4-BE49-F238E27FC236}">
+                <a16:creationId xmlns:a16="http://schemas.microsoft.com/office/drawing/2014/main" id="{04955930-0FB2-146D-6845-3DAC8058DB47}"/>
+              </a:ext>
+            </a:extLst>
+          </p:cNvPr>
+          <p:cNvSpPr>
+            <a:spLocks noGrp="1"/>
+          </p:cNvSpPr>
+          <p:nvPr>
+            <p:ph sz="half" idx="2"/>
+          </p:nvPr>
+        </p:nvSpPr>
+        <p:spPr>
+          <a:xfrm>
+            <a:off x="6172200" y="1825625"/>
+            <a:ext cx="5181600" cy="2055711"/>
+          </a:xfrm>
+        </p:spPr>
+        <p:txBody>
+          <a:bodyPr/>
+          <a:lstStyle/>
+          <a:p>
+            <a:r>
+              <a:rPr lang="en-US" altLang="zh-TW" dirty="0">
+                <a:hlinkClick r:id="rId3"/>
+              </a:rPr>
+              <a:t>Lai, Ching-de</a:t>
+            </a:r>
+          </a:p>
+          <a:p>
+            <a:pPr lvl="1"/>
+            <a:r>
+              <a:rPr lang="en-US" altLang="zh-TW" dirty="0">
+                <a:hlinkClick r:id="rId3"/>
+              </a:rPr>
+              <a:t>https://youtube.com/playlist?list=PLiKV-SdW8Y0zgWE_kY-6HS3m2Fmjc1yLv</a:t>
+            </a:r>
+            <a:endParaRPr lang="en-US" altLang="zh-TW" dirty="0"/>
+          </a:p>
+          <a:p>
+            <a:endParaRPr lang="zh-TW" altLang="en-US" dirty="0"/>
+          </a:p>
+        </p:txBody>
+      </p:sp>
+      <p:sp>
+        <p:nvSpPr>
+          <p:cNvPr id="5" name="投影片編號版面配置區 4">
+            <a:extLst>
+              <a:ext uri="{FF2B5EF4-FFF2-40B4-BE49-F238E27FC236}">
+                <a16:creationId xmlns:a16="http://schemas.microsoft.com/office/drawing/2014/main" id="{FECCA928-BAE7-D079-1744-85DEEADF2510}"/>
+              </a:ext>
+            </a:extLst>
+          </p:cNvPr>
+          <p:cNvSpPr>
+            <a:spLocks noGrp="1"/>
+          </p:cNvSpPr>
+          <p:nvPr>
+            <p:ph type="sldNum" sz="quarter" idx="12"/>
+          </p:nvPr>
+        </p:nvSpPr>
+        <p:spPr/>
+        <p:txBody>
+          <a:bodyPr/>
+          <a:lstStyle/>
+          <a:p>
+            <a:fld id="{FC9D55E0-70B7-4F93-8B87-27F39FE35248}" type="slidenum">
+              <a:rPr lang="zh-TW" altLang="en-US" smtClean="0"/>
+              <a:t>20</a:t>
+            </a:fld>
+            <a:endParaRPr lang="zh-TW" altLang="en-US"/>
+          </a:p>
+        </p:txBody>
+      </p:sp>
+    </p:spTree>
+    <p:extLst>
+      <p:ext uri="{BB962C8B-B14F-4D97-AF65-F5344CB8AC3E}">
+        <p14:creationId xmlns:p14="http://schemas.microsoft.com/office/powerpoint/2010/main" val="1997436814"/>
       </p:ext>
     </p:extLst>
   </p:cSld>
